--- a/Weather Forecast.pptx
+++ b/Weather Forecast.pptx
@@ -253,7 +253,7 @@
       <p15:sldGuideLst xmlns:p15="http://schemas.microsoft.com/office/powerpoint/2012/main"/>
     </p:ext>
     <p:ext uri="GoogleSlidesCustomDataVersion2">
-      <go:slidesCustomData xmlns:go="http://customooxmlschemas.google.com/" xmlns:ahyp="http://schemas.microsoft.com/office/drawing/2018/hyperlinkcolor" xmlns:p15="http://schemas.microsoft.com/office/powerpoint/2012/main" xmlns:p14="http://schemas.microsoft.com/office/powerpoint/2010/main" xmlns:com="http://schemas.openxmlformats.org/drawingml/2006/compatibility" xmlns:pvml="urn:schemas-microsoft-com:office:powerpoint" xmlns:v="urn:schemas-microsoft-com:vml" xmlns:o="urn:schemas-microsoft-com:office:office" xmlns:dgm="http://schemas.openxmlformats.org/drawingml/2006/diagram" xmlns:c="http://schemas.openxmlformats.org/drawingml/2006/chart" xmlns:mv="urn:schemas-microsoft-com:mac:vml" xmlns:mc="http://schemas.openxmlformats.org/markup-compatibility/2006" xmlns="" r:id="rId16" roundtripDataSignature="AMtx7mjSRRlCFA/cW3kQ7Z8qFsYPlG0gdg=="/>
+      <go:slidesCustomData xmlns="" xmlns:mc="http://schemas.openxmlformats.org/markup-compatibility/2006" xmlns:mv="urn:schemas-microsoft-com:mac:vml" xmlns:c="http://schemas.openxmlformats.org/drawingml/2006/chart" xmlns:dgm="http://schemas.openxmlformats.org/drawingml/2006/diagram" xmlns:o="urn:schemas-microsoft-com:office:office" xmlns:v="urn:schemas-microsoft-com:vml" xmlns:pvml="urn:schemas-microsoft-com:office:powerpoint" xmlns:com="http://schemas.openxmlformats.org/drawingml/2006/compatibility" xmlns:p14="http://schemas.microsoft.com/office/powerpoint/2010/main" xmlns:p15="http://schemas.microsoft.com/office/powerpoint/2012/main" xmlns:ahyp="http://schemas.microsoft.com/office/drawing/2018/hyperlinkcolor" xmlns:go="http://customooxmlschemas.google.com/" r:id="rId16" roundtripDataSignature="AMtx7mjSRRlCFA/cW3kQ7Z8qFsYPlG0gdg=="/>
     </p:ext>
   </p:extLst>
 </p:presentation>
@@ -14339,14 +14339,17 @@
                 <a:solidFill>
                   <a:srgbClr val="000000"/>
                 </a:solidFill>
-                <a:latin typeface="Times New Roman"/>
+                <a:latin typeface="Times New Roman" panose="02020603050405020304" pitchFamily="18" charset="0"/>
                 <a:ea typeface="Times New Roman"/>
-                <a:cs typeface="Times New Roman"/>
+                <a:cs typeface="Times New Roman" panose="02020603050405020304" pitchFamily="18" charset="0"/>
                 <a:sym typeface="Times New Roman"/>
               </a:rPr>
-              <a:t>                    Kamalesh M       -23ITR076</a:t>
+              <a:t>                   Kamalesh M          - 23ITR076</a:t>
             </a:r>
-            <a:endParaRPr sz="2000" dirty="0"/>
+            <a:endParaRPr sz="2000" dirty="0">
+              <a:latin typeface="Times New Roman" panose="02020603050405020304" pitchFamily="18" charset="0"/>
+              <a:cs typeface="Times New Roman" panose="02020603050405020304" pitchFamily="18" charset="0"/>
+            </a:endParaRPr>
           </a:p>
           <a:p>
             <a:pPr marL="0" marR="0" lvl="0" indent="0" rtl="0">
@@ -14371,9 +14374,9 @@
                 <a:solidFill>
                   <a:srgbClr val="000000"/>
                 </a:solidFill>
-                <a:latin typeface="Times New Roman"/>
+                <a:latin typeface="Times New Roman" panose="02020603050405020304" pitchFamily="18" charset="0"/>
                 <a:ea typeface="Times New Roman"/>
-                <a:cs typeface="Times New Roman"/>
+                <a:cs typeface="Times New Roman" panose="02020603050405020304" pitchFamily="18" charset="0"/>
                 <a:sym typeface="Times New Roman"/>
               </a:rPr>
               <a:t>                   </a:t>
@@ -14383,9 +14386,9 @@
                 <a:solidFill>
                   <a:srgbClr val="000000"/>
                 </a:solidFill>
-                <a:latin typeface="Times New Roman"/>
+                <a:latin typeface="Times New Roman" panose="02020603050405020304" pitchFamily="18" charset="0"/>
                 <a:ea typeface="Times New Roman"/>
-                <a:cs typeface="Times New Roman"/>
+                <a:cs typeface="Times New Roman" panose="02020603050405020304" pitchFamily="18" charset="0"/>
                 <a:sym typeface="Times New Roman"/>
               </a:rPr>
               <a:t>Megavarshini</a:t>
@@ -14395,12 +14398,12 @@
                 <a:solidFill>
                   <a:srgbClr val="000000"/>
                 </a:solidFill>
-                <a:latin typeface="Times New Roman"/>
+                <a:latin typeface="Times New Roman" panose="02020603050405020304" pitchFamily="18" charset="0"/>
                 <a:ea typeface="Times New Roman"/>
-                <a:cs typeface="Times New Roman"/>
+                <a:cs typeface="Times New Roman" panose="02020603050405020304" pitchFamily="18" charset="0"/>
                 <a:sym typeface="Times New Roman"/>
               </a:rPr>
-              <a:t>  M -23ITR097</a:t>
+              <a:t>  M   - 23ITR097</a:t>
             </a:r>
           </a:p>
           <a:p>
@@ -14423,12 +14426,12 @@
             </a:pPr>
             <a:r>
               <a:rPr lang="en-IN" sz="2000" dirty="0">
-                <a:latin typeface="Times New Roman"/>
+                <a:latin typeface="Times New Roman" panose="02020603050405020304" pitchFamily="18" charset="0"/>
                 <a:ea typeface="Times New Roman"/>
-                <a:cs typeface="Times New Roman"/>
+                <a:cs typeface="Times New Roman" panose="02020603050405020304" pitchFamily="18" charset="0"/>
                 <a:sym typeface="Times New Roman"/>
               </a:rPr>
-              <a:t>                   Priyanka  K         -23ITR0121</a:t>
+              <a:t>                   Priyanka  K           - 23ITR0121</a:t>
             </a:r>
           </a:p>
           <a:p>
@@ -14454,9 +14457,9 @@
                 <a:solidFill>
                   <a:srgbClr val="000000"/>
                 </a:solidFill>
-                <a:latin typeface="Times New Roman"/>
+                <a:latin typeface="Times New Roman" panose="02020603050405020304" pitchFamily="18" charset="0"/>
                 <a:ea typeface="Times New Roman"/>
-                <a:cs typeface="Times New Roman"/>
+                <a:cs typeface="Times New Roman" panose="02020603050405020304" pitchFamily="18" charset="0"/>
                 <a:sym typeface="Times New Roman"/>
               </a:rPr>
               <a:t>                   </a:t>
@@ -14645,7 +14648,7 @@
         <p:spPr>
           <a:xfrm>
             <a:off x="2369244" y="1877021"/>
-            <a:ext cx="9492342" cy="3785652"/>
+            <a:ext cx="9492342" cy="3046988"/>
           </a:xfrm>
           <a:prstGeom prst="rect">
             <a:avLst/>
@@ -14663,12 +14666,18 @@
               <a:buChar char="•"/>
             </a:pPr>
             <a:r>
-              <a:rPr lang="en-US" sz="2400" dirty="0"/>
+              <a:rPr lang="en-US" sz="2400" dirty="0">
+                <a:latin typeface="Times New Roman" panose="02020603050405020304" pitchFamily="18" charset="0"/>
+                <a:cs typeface="Times New Roman" panose="02020603050405020304" pitchFamily="18" charset="0"/>
+              </a:rPr>
               <a:t> Developed a Python GUI application for real-time weather forecasting.</a:t>
             </a:r>
           </a:p>
           <a:p>
-            <a:endParaRPr lang="en-US" sz="2400" dirty="0"/>
+            <a:endParaRPr lang="en-US" sz="2400" dirty="0">
+              <a:latin typeface="Times New Roman" panose="02020603050405020304" pitchFamily="18" charset="0"/>
+              <a:cs typeface="Times New Roman" panose="02020603050405020304" pitchFamily="18" charset="0"/>
+            </a:endParaRPr>
           </a:p>
           <a:p>
             <a:pPr marL="342900" indent="-342900">
@@ -14676,15 +14685,24 @@
               <a:buChar char="•"/>
             </a:pPr>
             <a:r>
-              <a:rPr lang="en-US" sz="2400" dirty="0"/>
+              <a:rPr lang="en-US" sz="2400" dirty="0">
+                <a:latin typeface="Times New Roman" panose="02020603050405020304" pitchFamily="18" charset="0"/>
+                <a:cs typeface="Times New Roman" panose="02020603050405020304" pitchFamily="18" charset="0"/>
+              </a:rPr>
               <a:t> Integrated </a:t>
             </a:r>
             <a:r>
-              <a:rPr lang="en-US" sz="2400" dirty="0" err="1"/>
+              <a:rPr lang="en-US" sz="2400" dirty="0" err="1">
+                <a:latin typeface="Times New Roman" panose="02020603050405020304" pitchFamily="18" charset="0"/>
+                <a:cs typeface="Times New Roman" panose="02020603050405020304" pitchFamily="18" charset="0"/>
+              </a:rPr>
               <a:t>OpenWeatherMap</a:t>
             </a:r>
             <a:r>
-              <a:rPr lang="en-US" sz="2400" dirty="0"/>
+              <a:rPr lang="en-US" sz="2400" dirty="0">
+                <a:latin typeface="Times New Roman" panose="02020603050405020304" pitchFamily="18" charset="0"/>
+                <a:cs typeface="Times New Roman" panose="02020603050405020304" pitchFamily="18" charset="0"/>
+              </a:rPr>
               <a:t> API to retrieve weather data.</a:t>
             </a:r>
           </a:p>
@@ -14693,7 +14711,10 @@
               <a:buFont typeface="Arial" panose="020B0604020202020204" pitchFamily="34" charset="0"/>
               <a:buChar char="•"/>
             </a:pPr>
-            <a:endParaRPr lang="en-US" sz="2400" dirty="0"/>
+            <a:endParaRPr lang="en-US" sz="2400" dirty="0">
+              <a:latin typeface="Times New Roman" panose="02020603050405020304" pitchFamily="18" charset="0"/>
+              <a:cs typeface="Times New Roman" panose="02020603050405020304" pitchFamily="18" charset="0"/>
+            </a:endParaRPr>
           </a:p>
           <a:p>
             <a:pPr marL="342900" indent="-342900">
@@ -14701,12 +14722,18 @@
               <a:buChar char="•"/>
             </a:pPr>
             <a:r>
-              <a:rPr lang="en-US" sz="2400" dirty="0"/>
+              <a:rPr lang="en-US" sz="2400" dirty="0">
+                <a:latin typeface="Times New Roman" panose="02020603050405020304" pitchFamily="18" charset="0"/>
+                <a:cs typeface="Times New Roman" panose="02020603050405020304" pitchFamily="18" charset="0"/>
+              </a:rPr>
               <a:t> Designed an intuitive interface for users to access current weather conditions and forecasts.</a:t>
             </a:r>
           </a:p>
           <a:p>
-            <a:endParaRPr lang="en-US" sz="2400" dirty="0"/>
+            <a:endParaRPr lang="en-US" sz="2400" dirty="0">
+              <a:latin typeface="Times New Roman" panose="02020603050405020304" pitchFamily="18" charset="0"/>
+              <a:cs typeface="Times New Roman" panose="02020603050405020304" pitchFamily="18" charset="0"/>
+            </a:endParaRPr>
           </a:p>
           <a:p>
             <a:pPr marL="342900" indent="-342900">
@@ -14714,7 +14741,10 @@
               <a:buChar char="•"/>
             </a:pPr>
             <a:r>
-              <a:rPr lang="en-US" sz="2400" dirty="0"/>
+              <a:rPr lang="en-US" sz="2400" dirty="0">
+                <a:latin typeface="Times New Roman" panose="02020603050405020304" pitchFamily="18" charset="0"/>
+                <a:cs typeface="Times New Roman" panose="02020603050405020304" pitchFamily="18" charset="0"/>
+              </a:rPr>
               <a:t>Allows users to search for weather information in various locations.</a:t>
             </a:r>
           </a:p>
@@ -15020,7 +15050,10 @@
               <a:tabLst/>
             </a:pPr>
             <a:r>
-              <a:rPr lang="en-US" sz="2400" dirty="0"/>
+              <a:rPr lang="en-US" sz="2400" dirty="0">
+                <a:latin typeface="Times New Roman" panose="02020603050405020304" pitchFamily="18" charset="0"/>
+                <a:cs typeface="Times New Roman" panose="02020603050405020304" pitchFamily="18" charset="0"/>
+              </a:rPr>
               <a:t>Ensure that the development environment is properly configured to support Python GUI development and API integration.</a:t>
             </a:r>
           </a:p>
@@ -15041,7 +15074,10 @@
               <a:buChar char="v"/>
               <a:tabLst/>
             </a:pPr>
-            <a:endParaRPr lang="en-US" sz="2400" b="1" dirty="0"/>
+            <a:endParaRPr lang="en-US" sz="2400" b="1" dirty="0">
+              <a:latin typeface="Times New Roman" panose="02020603050405020304" pitchFamily="18" charset="0"/>
+              <a:cs typeface="Times New Roman" panose="02020603050405020304" pitchFamily="18" charset="0"/>
+            </a:endParaRPr>
           </a:p>
           <a:p>
             <a:pPr marL="342900" marR="0" lvl="0" indent="-342900" algn="l" defTabSz="914400" rtl="0" eaLnBrk="0" fontAlgn="base" latinLnBrk="0" hangingPunct="0">
@@ -15061,18 +15097,30 @@
               <a:tabLst/>
             </a:pPr>
             <a:r>
-              <a:rPr lang="en-US" sz="2400" dirty="0"/>
+              <a:rPr lang="en-US" sz="2400" dirty="0">
+                <a:latin typeface="Times New Roman" panose="02020603050405020304" pitchFamily="18" charset="0"/>
+                <a:cs typeface="Times New Roman" panose="02020603050405020304" pitchFamily="18" charset="0"/>
+              </a:rPr>
               <a:t>Integrate </a:t>
             </a:r>
             <a:r>
-              <a:rPr lang="en-US" sz="2400" dirty="0" err="1"/>
+              <a:rPr lang="en-US" sz="2400" dirty="0" err="1">
+                <a:latin typeface="Times New Roman" panose="02020603050405020304" pitchFamily="18" charset="0"/>
+                <a:cs typeface="Times New Roman" panose="02020603050405020304" pitchFamily="18" charset="0"/>
+              </a:rPr>
               <a:t>OpenWeatherMap</a:t>
             </a:r>
             <a:r>
-              <a:rPr lang="en-US" sz="2400" dirty="0"/>
+              <a:rPr lang="en-US" sz="2400" dirty="0">
+                <a:latin typeface="Times New Roman" panose="02020603050405020304" pitchFamily="18" charset="0"/>
+                <a:cs typeface="Times New Roman" panose="02020603050405020304" pitchFamily="18" charset="0"/>
+              </a:rPr>
               <a:t> API to fetch weather data.</a:t>
             </a:r>
-            <a:endParaRPr lang="en-US" sz="2400" b="1" dirty="0"/>
+            <a:endParaRPr lang="en-US" sz="2400" b="1" dirty="0">
+              <a:latin typeface="Times New Roman" panose="02020603050405020304" pitchFamily="18" charset="0"/>
+              <a:cs typeface="Times New Roman" panose="02020603050405020304" pitchFamily="18" charset="0"/>
+            </a:endParaRPr>
           </a:p>
           <a:p>
             <a:pPr marL="342900" marR="0" lvl="0" indent="-342900" algn="l" defTabSz="914400" rtl="0" eaLnBrk="0" fontAlgn="base" latinLnBrk="0" hangingPunct="0">
@@ -15091,7 +15139,10 @@
               <a:buChar char="v"/>
               <a:tabLst/>
             </a:pPr>
-            <a:endParaRPr lang="en-US" sz="2400" b="1" dirty="0"/>
+            <a:endParaRPr lang="en-US" sz="2400" b="1" dirty="0">
+              <a:latin typeface="Times New Roman" panose="02020603050405020304" pitchFamily="18" charset="0"/>
+              <a:cs typeface="Times New Roman" panose="02020603050405020304" pitchFamily="18" charset="0"/>
+            </a:endParaRPr>
           </a:p>
           <a:p>
             <a:pPr marL="342900" marR="0" lvl="0" indent="-342900" algn="l" defTabSz="914400" rtl="0" eaLnBrk="0" fontAlgn="base" latinLnBrk="0" hangingPunct="0">
@@ -15111,14 +15162,23 @@
               <a:tabLst/>
             </a:pPr>
             <a:r>
-              <a:rPr lang="en-US" sz="2400" dirty="0"/>
+              <a:rPr lang="en-US" sz="2400" dirty="0">
+                <a:latin typeface="Times New Roman" panose="02020603050405020304" pitchFamily="18" charset="0"/>
+                <a:cs typeface="Times New Roman" panose="02020603050405020304" pitchFamily="18" charset="0"/>
+              </a:rPr>
               <a:t>Develop a user-friendly graphical interface using </a:t>
             </a:r>
             <a:r>
-              <a:rPr lang="en-US" sz="2400" dirty="0" err="1"/>
+              <a:rPr lang="en-US" sz="2400" dirty="0" err="1">
+                <a:latin typeface="Times New Roman" panose="02020603050405020304" pitchFamily="18" charset="0"/>
+                <a:cs typeface="Times New Roman" panose="02020603050405020304" pitchFamily="18" charset="0"/>
+              </a:rPr>
               <a:t>Tkinter</a:t>
             </a:r>
-            <a:endParaRPr lang="en-US" sz="2400" b="1" dirty="0"/>
+            <a:endParaRPr lang="en-US" sz="2400" b="1" dirty="0">
+              <a:latin typeface="Times New Roman" panose="02020603050405020304" pitchFamily="18" charset="0"/>
+              <a:cs typeface="Times New Roman" panose="02020603050405020304" pitchFamily="18" charset="0"/>
+            </a:endParaRPr>
           </a:p>
           <a:p>
             <a:pPr marL="342900" marR="0" lvl="0" indent="-342900" algn="l" defTabSz="914400" rtl="0" eaLnBrk="0" fontAlgn="base" latinLnBrk="0" hangingPunct="0">
@@ -15137,7 +15197,10 @@
               <a:buChar char="v"/>
               <a:tabLst/>
             </a:pPr>
-            <a:endParaRPr lang="en-US" sz="2400" b="1" dirty="0"/>
+            <a:endParaRPr lang="en-US" sz="2400" b="1" dirty="0">
+              <a:latin typeface="Times New Roman" panose="02020603050405020304" pitchFamily="18" charset="0"/>
+              <a:cs typeface="Times New Roman" panose="02020603050405020304" pitchFamily="18" charset="0"/>
+            </a:endParaRPr>
           </a:p>
           <a:p>
             <a:pPr marL="342900" marR="0" lvl="0" indent="-342900" algn="l" defTabSz="914400" rtl="0" eaLnBrk="0" fontAlgn="base" latinLnBrk="0" hangingPunct="0">
@@ -15157,10 +15220,16 @@
               <a:tabLst/>
             </a:pPr>
             <a:r>
-              <a:rPr lang="en-US" sz="2400" dirty="0"/>
+              <a:rPr lang="en-US" sz="2400" dirty="0">
+                <a:latin typeface="Times New Roman" panose="02020603050405020304" pitchFamily="18" charset="0"/>
+                <a:cs typeface="Times New Roman" panose="02020603050405020304" pitchFamily="18" charset="0"/>
+              </a:rPr>
               <a:t>Efficiently handle and display weather data fetched from the API.</a:t>
             </a:r>
-            <a:endParaRPr lang="en-US" sz="2400" b="1" dirty="0"/>
+            <a:endParaRPr lang="en-US" sz="2400" b="1" dirty="0">
+              <a:latin typeface="Times New Roman" panose="02020603050405020304" pitchFamily="18" charset="0"/>
+              <a:cs typeface="Times New Roman" panose="02020603050405020304" pitchFamily="18" charset="0"/>
+            </a:endParaRPr>
           </a:p>
           <a:p>
             <a:pPr marL="0" marR="0" lvl="0" indent="0" algn="l" defTabSz="914400" rtl="0" eaLnBrk="0" fontAlgn="base" latinLnBrk="0" hangingPunct="0">
@@ -15421,7 +15490,7 @@
         <p:spPr>
           <a:xfrm>
             <a:off x="3645449" y="2730985"/>
-            <a:ext cx="7114448" cy="3539430"/>
+            <a:ext cx="5793574" cy="3231654"/>
           </a:xfrm>
           <a:prstGeom prst="rect">
             <a:avLst/>
@@ -15439,12 +15508,18 @@
               <a:buChar char="Ø"/>
             </a:pPr>
             <a:r>
-              <a:rPr lang="en-IN" sz="3200" dirty="0"/>
+              <a:rPr lang="en-IN" sz="2800" dirty="0">
+                <a:latin typeface="Times New Roman" panose="02020603050405020304" pitchFamily="18" charset="0"/>
+                <a:cs typeface="Times New Roman" panose="02020603050405020304" pitchFamily="18" charset="0"/>
+              </a:rPr>
               <a:t>Microsoft Visual Studio Code</a:t>
             </a:r>
           </a:p>
           <a:p>
-            <a:endParaRPr lang="en-IN" sz="3200" dirty="0"/>
+            <a:endParaRPr lang="en-IN" sz="2800" dirty="0">
+              <a:latin typeface="Times New Roman" panose="02020603050405020304" pitchFamily="18" charset="0"/>
+              <a:cs typeface="Times New Roman" panose="02020603050405020304" pitchFamily="18" charset="0"/>
+            </a:endParaRPr>
           </a:p>
           <a:p>
             <a:pPr marL="285750" indent="-285750">
@@ -15452,21 +15527,33 @@
               <a:buChar char="Ø"/>
             </a:pPr>
             <a:r>
-              <a:rPr lang="en-IN" sz="3200" dirty="0"/>
+              <a:rPr lang="en-IN" sz="2800" dirty="0">
+                <a:latin typeface="Times New Roman" panose="02020603050405020304" pitchFamily="18" charset="0"/>
+                <a:cs typeface="Times New Roman" panose="02020603050405020304" pitchFamily="18" charset="0"/>
+              </a:rPr>
               <a:t>  Python GUI development –</a:t>
             </a:r>
             <a:r>
-              <a:rPr lang="en-IN" sz="3200" dirty="0" err="1"/>
+              <a:rPr lang="en-IN" sz="2800" dirty="0" err="1">
+                <a:latin typeface="Times New Roman" panose="02020603050405020304" pitchFamily="18" charset="0"/>
+                <a:cs typeface="Times New Roman" panose="02020603050405020304" pitchFamily="18" charset="0"/>
+              </a:rPr>
               <a:t>Tkinter</a:t>
             </a:r>
-            <a:endParaRPr lang="en-IN" sz="3200" dirty="0"/>
+            <a:endParaRPr lang="en-IN" sz="2800" dirty="0">
+              <a:latin typeface="Times New Roman" panose="02020603050405020304" pitchFamily="18" charset="0"/>
+              <a:cs typeface="Times New Roman" panose="02020603050405020304" pitchFamily="18" charset="0"/>
+            </a:endParaRPr>
           </a:p>
           <a:p>
             <a:pPr marL="285750" indent="-285750">
               <a:buFont typeface="Wingdings" panose="05000000000000000000" pitchFamily="2" charset="2"/>
               <a:buChar char="Ø"/>
             </a:pPr>
-            <a:endParaRPr lang="en-IN" sz="3200" dirty="0"/>
+            <a:endParaRPr lang="en-IN" sz="2800" dirty="0">
+              <a:latin typeface="Times New Roman" panose="02020603050405020304" pitchFamily="18" charset="0"/>
+              <a:cs typeface="Times New Roman" panose="02020603050405020304" pitchFamily="18" charset="0"/>
+            </a:endParaRPr>
           </a:p>
           <a:p>
             <a:pPr marL="285750" indent="-285750">
@@ -15474,15 +15561,24 @@
               <a:buChar char="Ø"/>
             </a:pPr>
             <a:r>
-              <a:rPr lang="en-IN" sz="3200" dirty="0"/>
+              <a:rPr lang="en-IN" sz="2800" dirty="0">
+                <a:latin typeface="Times New Roman" panose="02020603050405020304" pitchFamily="18" charset="0"/>
+                <a:cs typeface="Times New Roman" panose="02020603050405020304" pitchFamily="18" charset="0"/>
+              </a:rPr>
               <a:t>API integration – </a:t>
             </a:r>
             <a:r>
-              <a:rPr lang="en-IN" sz="3200" dirty="0" err="1"/>
+              <a:rPr lang="en-IN" sz="2800" dirty="0" err="1">
+                <a:latin typeface="Times New Roman" panose="02020603050405020304" pitchFamily="18" charset="0"/>
+                <a:cs typeface="Times New Roman" panose="02020603050405020304" pitchFamily="18" charset="0"/>
+              </a:rPr>
               <a:t>OpenWeatherMap</a:t>
             </a:r>
             <a:r>
-              <a:rPr lang="en-IN" sz="3200" dirty="0"/>
+              <a:rPr lang="en-IN" sz="2800" dirty="0">
+                <a:latin typeface="Times New Roman" panose="02020603050405020304" pitchFamily="18" charset="0"/>
+                <a:cs typeface="Times New Roman" panose="02020603050405020304" pitchFamily="18" charset="0"/>
+              </a:rPr>
               <a:t> </a:t>
             </a:r>
           </a:p>
@@ -15548,7 +15644,7 @@
         <p:spPr>
           <a:xfrm>
             <a:off x="1323022" y="1762659"/>
-            <a:ext cx="3236784" cy="646331"/>
+            <a:ext cx="2914580" cy="646331"/>
           </a:xfrm>
           <a:prstGeom prst="rect">
             <a:avLst/>
@@ -15562,14 +15658,24 @@
           <a:lstStyle/>
           <a:p>
             <a:r>
-              <a:rPr lang="en-IN" sz="3600" b="1" dirty="0">
-                <a:solidFill>
-                  <a:schemeClr val="dk1"/>
+              <a:rPr lang="en-IN" sz="3200" b="1" dirty="0">
+                <a:solidFill>
+                  <a:schemeClr val="tx1"/>
                 </a:solidFill>
                 <a:latin typeface="Times New Roman" panose="02020603050405020304" pitchFamily="18" charset="0"/>
                 <a:cs typeface="Times New Roman" panose="02020603050405020304" pitchFamily="18" charset="0"/>
               </a:rPr>
-              <a:t>Software used :</a:t>
+              <a:t>Software used </a:t>
+            </a:r>
+            <a:r>
+              <a:rPr lang="en-IN" sz="3600" b="1" dirty="0">
+                <a:solidFill>
+                  <a:schemeClr val="dk1"/>
+                </a:solidFill>
+                <a:latin typeface="Times New Roman" panose="02020603050405020304" pitchFamily="18" charset="0"/>
+                <a:cs typeface="Times New Roman" panose="02020603050405020304" pitchFamily="18" charset="0"/>
+              </a:rPr>
+              <a:t>:</a:t>
             </a:r>
           </a:p>
         </p:txBody>
@@ -15613,7 +15719,7 @@
         </p:nvSpPr>
         <p:spPr>
           <a:xfrm>
-            <a:off x="3005250" y="447040"/>
+            <a:off x="3005250" y="171399"/>
             <a:ext cx="6181500" cy="830997"/>
           </a:xfrm>
           <a:prstGeom prst="rect">
@@ -15675,8 +15781,8 @@
         </p:nvSpPr>
         <p:spPr>
           <a:xfrm rot="10800000" flipV="1">
-            <a:off x="2459919" y="2027974"/>
-            <a:ext cx="7970621" cy="3416320"/>
+            <a:off x="2589154" y="1626744"/>
+            <a:ext cx="7970621" cy="4154984"/>
           </a:xfrm>
           <a:prstGeom prst="rect">
             <a:avLst/>
@@ -15694,20 +15800,23 @@
               <a:buChar char="ü"/>
             </a:pPr>
             <a:r>
-              <a:rPr lang="en-US" sz="1800" dirty="0">
-                <a:latin typeface="Arial Rounded MT Bold" panose="020F0704030504030204" pitchFamily="34" charset="0"/>
+              <a:rPr lang="en-US" sz="2400" dirty="0">
+                <a:latin typeface="Times New Roman" panose="02020603050405020304" pitchFamily="18" charset="0"/>
+                <a:cs typeface="Times New Roman" panose="02020603050405020304" pitchFamily="18" charset="0"/>
               </a:rPr>
               <a:t>Environment Setup: Install Python, </a:t>
             </a:r>
             <a:r>
-              <a:rPr lang="en-US" sz="1800" dirty="0" err="1">
-                <a:latin typeface="Arial Rounded MT Bold" panose="020F0704030504030204" pitchFamily="34" charset="0"/>
+              <a:rPr lang="en-US" sz="2400" dirty="0" err="1">
+                <a:latin typeface="Times New Roman" panose="02020603050405020304" pitchFamily="18" charset="0"/>
+                <a:cs typeface="Times New Roman" panose="02020603050405020304" pitchFamily="18" charset="0"/>
               </a:rPr>
               <a:t>Tkinter</a:t>
             </a:r>
             <a:r>
-              <a:rPr lang="en-US" sz="1800" dirty="0">
-                <a:latin typeface="Arial Rounded MT Bold" panose="020F0704030504030204" pitchFamily="34" charset="0"/>
+              <a:rPr lang="en-US" sz="2400" dirty="0">
+                <a:latin typeface="Times New Roman" panose="02020603050405020304" pitchFamily="18" charset="0"/>
+                <a:cs typeface="Times New Roman" panose="02020603050405020304" pitchFamily="18" charset="0"/>
               </a:rPr>
               <a:t>, and requests library</a:t>
             </a:r>
@@ -15717,8 +15826,9 @@
               <a:buFont typeface="Wingdings" panose="05000000000000000000" pitchFamily="2" charset="2"/>
               <a:buChar char="ü"/>
             </a:pPr>
-            <a:endParaRPr lang="en-US" sz="1800" dirty="0">
-              <a:latin typeface="Arial Rounded MT Bold" panose="020F0704030504030204" pitchFamily="34" charset="0"/>
+            <a:endParaRPr lang="en-US" sz="2400" dirty="0">
+              <a:latin typeface="Times New Roman" panose="02020603050405020304" pitchFamily="18" charset="0"/>
+              <a:cs typeface="Times New Roman" panose="02020603050405020304" pitchFamily="18" charset="0"/>
             </a:endParaRPr>
           </a:p>
           <a:p>
@@ -15727,20 +15837,23 @@
               <a:buChar char="ü"/>
             </a:pPr>
             <a:r>
-              <a:rPr lang="en-US" sz="1800" dirty="0">
-                <a:latin typeface="Arial Rounded MT Bold" panose="020F0704030504030204" pitchFamily="34" charset="0"/>
+              <a:rPr lang="en-US" sz="2400" dirty="0">
+                <a:latin typeface="Times New Roman" panose="02020603050405020304" pitchFamily="18" charset="0"/>
+                <a:cs typeface="Times New Roman" panose="02020603050405020304" pitchFamily="18" charset="0"/>
               </a:rPr>
               <a:t>API Integration:  Obtain API key from </a:t>
             </a:r>
             <a:r>
-              <a:rPr lang="en-US" sz="1800" dirty="0" err="1">
-                <a:latin typeface="Arial Rounded MT Bold" panose="020F0704030504030204" pitchFamily="34" charset="0"/>
+              <a:rPr lang="en-US" sz="2400" dirty="0" err="1">
+                <a:latin typeface="Times New Roman" panose="02020603050405020304" pitchFamily="18" charset="0"/>
+                <a:cs typeface="Times New Roman" panose="02020603050405020304" pitchFamily="18" charset="0"/>
               </a:rPr>
               <a:t>OpenWeatherMap</a:t>
             </a:r>
             <a:r>
-              <a:rPr lang="en-US" sz="1800" dirty="0">
-                <a:latin typeface="Arial Rounded MT Bold" panose="020F0704030504030204" pitchFamily="34" charset="0"/>
+              <a:rPr lang="en-US" sz="2400" dirty="0">
+                <a:latin typeface="Times New Roman" panose="02020603050405020304" pitchFamily="18" charset="0"/>
+                <a:cs typeface="Times New Roman" panose="02020603050405020304" pitchFamily="18" charset="0"/>
               </a:rPr>
               <a:t> and use requests to fetch data.</a:t>
             </a:r>
@@ -15750,8 +15863,9 @@
               <a:buFont typeface="Wingdings" panose="05000000000000000000" pitchFamily="2" charset="2"/>
               <a:buChar char="ü"/>
             </a:pPr>
-            <a:endParaRPr lang="en-US" sz="1800" dirty="0">
-              <a:latin typeface="Arial Rounded MT Bold" panose="020F0704030504030204" pitchFamily="34" charset="0"/>
+            <a:endParaRPr lang="en-US" sz="2400" dirty="0">
+              <a:latin typeface="Times New Roman" panose="02020603050405020304" pitchFamily="18" charset="0"/>
+              <a:cs typeface="Times New Roman" panose="02020603050405020304" pitchFamily="18" charset="0"/>
             </a:endParaRPr>
           </a:p>
           <a:p>
@@ -15760,20 +15874,23 @@
               <a:buChar char="ü"/>
             </a:pPr>
             <a:r>
-              <a:rPr lang="en-US" sz="1800" dirty="0">
-                <a:latin typeface="Arial Rounded MT Bold" panose="020F0704030504030204" pitchFamily="34" charset="0"/>
+              <a:rPr lang="en-US" sz="2400" dirty="0">
+                <a:latin typeface="Times New Roman" panose="02020603050405020304" pitchFamily="18" charset="0"/>
+                <a:cs typeface="Times New Roman" panose="02020603050405020304" pitchFamily="18" charset="0"/>
               </a:rPr>
               <a:t>GUI Design:  Create a </a:t>
             </a:r>
             <a:r>
-              <a:rPr lang="en-US" sz="1800" dirty="0" err="1">
-                <a:latin typeface="Arial Rounded MT Bold" panose="020F0704030504030204" pitchFamily="34" charset="0"/>
+              <a:rPr lang="en-US" sz="2400" dirty="0" err="1">
+                <a:latin typeface="Times New Roman" panose="02020603050405020304" pitchFamily="18" charset="0"/>
+                <a:cs typeface="Times New Roman" panose="02020603050405020304" pitchFamily="18" charset="0"/>
               </a:rPr>
               <a:t>Tkinter</a:t>
             </a:r>
             <a:r>
-              <a:rPr lang="en-US" sz="1800" dirty="0">
-                <a:latin typeface="Arial Rounded MT Bold" panose="020F0704030504030204" pitchFamily="34" charset="0"/>
+              <a:rPr lang="en-US" sz="2400" dirty="0">
+                <a:latin typeface="Times New Roman" panose="02020603050405020304" pitchFamily="18" charset="0"/>
+                <a:cs typeface="Times New Roman" panose="02020603050405020304" pitchFamily="18" charset="0"/>
               </a:rPr>
               <a:t> window with an input field, a button, and labels to display weather information.</a:t>
             </a:r>
@@ -15783,8 +15900,9 @@
               <a:buFont typeface="Wingdings" panose="05000000000000000000" pitchFamily="2" charset="2"/>
               <a:buChar char="ü"/>
             </a:pPr>
-            <a:endParaRPr lang="en-US" sz="1800" dirty="0">
-              <a:latin typeface="Arial Rounded MT Bold" panose="020F0704030504030204" pitchFamily="34" charset="0"/>
+            <a:endParaRPr lang="en-US" sz="2400" dirty="0">
+              <a:latin typeface="Times New Roman" panose="02020603050405020304" pitchFamily="18" charset="0"/>
+              <a:cs typeface="Times New Roman" panose="02020603050405020304" pitchFamily="18" charset="0"/>
             </a:endParaRPr>
           </a:p>
           <a:p>
@@ -15793,31 +15911,12 @@
               <a:buChar char="ü"/>
             </a:pPr>
             <a:r>
-              <a:rPr lang="en-US" sz="1800" dirty="0">
-                <a:latin typeface="Arial Rounded MT Bold" panose="020F0704030504030204" pitchFamily="34" charset="0"/>
+              <a:rPr lang="en-US" sz="2400" dirty="0">
+                <a:latin typeface="Times New Roman" panose="02020603050405020304" pitchFamily="18" charset="0"/>
+                <a:cs typeface="Times New Roman" panose="02020603050405020304" pitchFamily="18" charset="0"/>
               </a:rPr>
               <a:t>Data Handling:  Parse API response to extract and display temperature and conditions.</a:t>
             </a:r>
-          </a:p>
-          <a:p>
-            <a:endParaRPr lang="en-US" sz="1800" dirty="0">
-              <a:latin typeface="Arial Rounded MT Bold" panose="020F0704030504030204" pitchFamily="34" charset="0"/>
-            </a:endParaRPr>
-          </a:p>
-          <a:p>
-            <a:pPr marL="285750" indent="-285750">
-              <a:buFont typeface="Wingdings" panose="05000000000000000000" pitchFamily="2" charset="2"/>
-              <a:buChar char="ü"/>
-            </a:pPr>
-            <a:r>
-              <a:rPr lang="en-US" sz="1800" dirty="0">
-                <a:latin typeface="Arial Rounded MT Bold" panose="020F0704030504030204" pitchFamily="34" charset="0"/>
-              </a:rPr>
-              <a:t>Testing: Ensure compatibility and performance on various devices</a:t>
-            </a:r>
-            <a:endParaRPr lang="en-IN" sz="1800" dirty="0">
-              <a:latin typeface="Arial Rounded MT Bold" panose="020F0704030504030204" pitchFamily="34" charset="0"/>
-            </a:endParaRPr>
           </a:p>
         </p:txBody>
       </p:sp>
@@ -16093,7 +16192,7 @@
         </p:nvSpPr>
         <p:spPr>
           <a:xfrm>
-            <a:off x="4505547" y="670135"/>
+            <a:off x="4662377" y="202303"/>
             <a:ext cx="6097772" cy="769441"/>
           </a:xfrm>
           <a:prstGeom prst="rect">
@@ -16140,8 +16239,8 @@
         </p:nvSpPr>
         <p:spPr>
           <a:xfrm>
-            <a:off x="2602318" y="2048180"/>
-            <a:ext cx="8104668" cy="3108543"/>
+            <a:off x="2591686" y="829340"/>
+            <a:ext cx="7998342" cy="4678204"/>
           </a:xfrm>
           <a:prstGeom prst="rect">
             <a:avLst/>
@@ -16168,51 +16267,56 @@
             </a:pPr>
             <a:endParaRPr lang="en-IN" sz="2800" b="0" i="0" dirty="0">
               <a:solidFill>
-                <a:srgbClr val="000000"/>
+                <a:srgbClr val="E2D700"/>
               </a:solidFill>
               <a:effectLst/>
               <a:latin typeface="Arial" panose="020B0604020202020204" pitchFamily="34" charset="0"/>
               <a:ea typeface="Arial" panose="020B0604020202020204" pitchFamily="34" charset="0"/>
               <a:cs typeface="Arial" panose="020B0604020202020204" pitchFamily="34" charset="0"/>
-              <a:hlinkClick r:id="rId2"/>
+              <a:hlinkClick r:id="rId2">
+                <a:extLst>
+                  <a:ext uri="{A12FA001-AC4F-418D-AE19-62706E023703}">
+                    <ahyp:hlinkClr xmlns:ahyp="http://schemas.microsoft.com/office/drawing/2018/hyperlinkcolor" val="tx"/>
+                  </a:ext>
+                </a:extLst>
+              </a:hlinkClick>
             </a:endParaRPr>
           </a:p>
           <a:p>
-            <a:pPr marL="285750" marR="0" indent="-285750" algn="l" rtl="0">
-              <a:spcBef>
-                <a:spcPts val="0"/>
-              </a:spcBef>
-              <a:spcAft>
-                <a:spcPts val="0"/>
-              </a:spcAft>
-              <a:buClr>
-                <a:srgbClr val="000000"/>
-              </a:buClr>
+            <a:pPr marL="342900" indent="-342900">
               <a:buSzPts val="2400"/>
-              <a:buFont typeface="Wingdings" panose="05000000000000000000" pitchFamily="2" charset="2"/>
-              <a:buChar char="ü"/>
+              <a:buFont typeface="+mj-lt"/>
+              <a:buAutoNum type="arabicPeriod"/>
             </a:pPr>
             <a:r>
-              <a:rPr lang="en-IN" sz="2800" b="0" i="0" dirty="0">
-                <a:solidFill>
-                  <a:srgbClr val="000000"/>
-                </a:solidFill>
-                <a:effectLst/>
+              <a:rPr lang="en-IN" sz="1800" dirty="0">
+                <a:solidFill>
+                  <a:srgbClr val="FFC000"/>
+                </a:solidFill>
                 <a:latin typeface="Arial" panose="020B0604020202020204" pitchFamily="34" charset="0"/>
                 <a:ea typeface="Arial" panose="020B0604020202020204" pitchFamily="34" charset="0"/>
                 <a:cs typeface="Arial" panose="020B0604020202020204" pitchFamily="34" charset="0"/>
-                <a:hlinkClick r:id="rId2"/>
+                <a:hlinkClick r:id="rId2">
+                  <a:extLst>
+                    <a:ext uri="{A12FA001-AC4F-418D-AE19-62706E023703}">
+                      <ahyp:hlinkClr xmlns:ahyp="http://schemas.microsoft.com/office/drawing/2018/hyperlinkcolor" val="tx"/>
+                    </a:ext>
+                  </a:extLst>
+                </a:hlinkClick>
               </a:rPr>
               <a:t>https://www.python.org/about/gettingstarted/</a:t>
             </a:r>
-            <a:endParaRPr lang="en-IN" sz="2800" dirty="0">
+            <a:endParaRPr lang="en-IN" sz="1800" dirty="0">
+              <a:solidFill>
+                <a:srgbClr val="FFC000"/>
+              </a:solidFill>
               <a:latin typeface="Arial" panose="020B0604020202020204" pitchFamily="34" charset="0"/>
               <a:ea typeface="Arial" panose="020B0604020202020204" pitchFamily="34" charset="0"/>
               <a:cs typeface="Arial" panose="020B0604020202020204" pitchFamily="34" charset="0"/>
             </a:endParaRPr>
           </a:p>
           <a:p>
-            <a:pPr marL="285750" marR="0" indent="-285750" algn="l" rtl="0">
+            <a:pPr marL="342900" marR="0" indent="-342900" rtl="0">
               <a:spcBef>
                 <a:spcPts val="0"/>
               </a:spcBef>
@@ -16223,22 +16327,28 @@
                 <a:srgbClr val="000000"/>
               </a:buClr>
               <a:buSzPts val="2400"/>
-              <a:buFont typeface="Wingdings" panose="05000000000000000000" pitchFamily="2" charset="2"/>
-              <a:buChar char="ü"/>
+              <a:buFont typeface="+mj-lt"/>
+              <a:buAutoNum type="arabicPeriod"/>
             </a:pPr>
-            <a:endParaRPr lang="en-IN" sz="2800" b="0" i="0" dirty="0">
+            <a:endParaRPr lang="en-IN" sz="1800" b="0" i="0" dirty="0">
               <a:solidFill>
-                <a:srgbClr val="91C6F7"/>
+                <a:srgbClr val="E2D700"/>
               </a:solidFill>
               <a:effectLst/>
               <a:latin typeface="Arial" panose="020B0604020202020204" pitchFamily="34" charset="0"/>
               <a:ea typeface="Arial" panose="020B0604020202020204" pitchFamily="34" charset="0"/>
               <a:cs typeface="Arial" panose="020B0604020202020204" pitchFamily="34" charset="0"/>
-              <a:hlinkClick r:id="rId3"/>
+              <a:hlinkClick r:id="rId3">
+                <a:extLst>
+                  <a:ext uri="{A12FA001-AC4F-418D-AE19-62706E023703}">
+                    <ahyp:hlinkClr xmlns:ahyp="http://schemas.microsoft.com/office/drawing/2018/hyperlinkcolor" val="tx"/>
+                  </a:ext>
+                </a:extLst>
+              </a:hlinkClick>
             </a:endParaRPr>
           </a:p>
           <a:p>
-            <a:pPr marL="285750" marR="0" indent="-285750" algn="l" rtl="0">
+            <a:pPr marL="342900" marR="0" indent="-342900" rtl="0">
               <a:spcBef>
                 <a:spcPts val="0"/>
               </a:spcBef>
@@ -16249,25 +16359,31 @@
                 <a:srgbClr val="000000"/>
               </a:buClr>
               <a:buSzPts val="2400"/>
-              <a:buFont typeface="Wingdings" panose="05000000000000000000" pitchFamily="2" charset="2"/>
-              <a:buChar char="ü"/>
+              <a:buFont typeface="+mj-lt"/>
+              <a:buAutoNum type="arabicPeriod"/>
             </a:pPr>
             <a:r>
-              <a:rPr lang="en-IN" sz="2800" b="0" i="0" dirty="0">
-                <a:solidFill>
-                  <a:srgbClr val="91C6F7"/>
+              <a:rPr lang="en-IN" sz="1800" b="0" i="0" dirty="0">
+                <a:solidFill>
+                  <a:srgbClr val="FFC000"/>
                 </a:solidFill>
                 <a:effectLst/>
                 <a:latin typeface="Arial" panose="020B0604020202020204" pitchFamily="34" charset="0"/>
                 <a:ea typeface="Arial" panose="020B0604020202020204" pitchFamily="34" charset="0"/>
                 <a:cs typeface="Arial" panose="020B0604020202020204" pitchFamily="34" charset="0"/>
-                <a:hlinkClick r:id="rId3"/>
+                <a:hlinkClick r:id="rId3">
+                  <a:extLst>
+                    <a:ext uri="{A12FA001-AC4F-418D-AE19-62706E023703}">
+                      <ahyp:hlinkClr xmlns:ahyp="http://schemas.microsoft.com/office/drawing/2018/hyperlinkcolor" val="tx"/>
+                    </a:ext>
+                  </a:extLst>
+                </a:hlinkClick>
               </a:rPr>
               <a:t>https://www.w3schools.com/python/</a:t>
             </a:r>
-            <a:endParaRPr lang="en-IN" sz="2800" b="0" i="0" dirty="0">
+            <a:endParaRPr lang="en-IN" sz="1800" b="0" i="0" dirty="0">
               <a:solidFill>
-                <a:srgbClr val="91C6F7"/>
+                <a:srgbClr val="FFC000"/>
               </a:solidFill>
               <a:effectLst/>
               <a:latin typeface="Arial" panose="020B0604020202020204" pitchFamily="34" charset="0"/>
@@ -16276,7 +16392,7 @@
             </a:endParaRPr>
           </a:p>
           <a:p>
-            <a:pPr marL="285750" marR="0" indent="-285750" algn="l" rtl="0">
+            <a:pPr marL="342900" marR="0" indent="-342900" rtl="0">
               <a:spcBef>
                 <a:spcPts val="0"/>
               </a:spcBef>
@@ -16287,21 +16403,27 @@
                 <a:srgbClr val="000000"/>
               </a:buClr>
               <a:buSzPts val="2400"/>
-              <a:buFont typeface="Wingdings" panose="05000000000000000000" pitchFamily="2" charset="2"/>
-              <a:buChar char="ü"/>
+              <a:buFont typeface="+mj-lt"/>
+              <a:buAutoNum type="arabicPeriod"/>
             </a:pPr>
-            <a:endParaRPr lang="en-IN" sz="2800" dirty="0">
+            <a:endParaRPr lang="en-IN" sz="1800" dirty="0">
               <a:solidFill>
-                <a:srgbClr val="91C6F7"/>
+                <a:srgbClr val="FFC000"/>
               </a:solidFill>
               <a:latin typeface="Arial" panose="020B0604020202020204" pitchFamily="34" charset="0"/>
               <a:ea typeface="Arial" panose="020B0604020202020204" pitchFamily="34" charset="0"/>
               <a:cs typeface="Arial" panose="020B0604020202020204" pitchFamily="34" charset="0"/>
-              <a:hlinkClick r:id="rId4"/>
+              <a:hlinkClick r:id="rId4">
+                <a:extLst>
+                  <a:ext uri="{A12FA001-AC4F-418D-AE19-62706E023703}">
+                    <ahyp:hlinkClr xmlns:ahyp="http://schemas.microsoft.com/office/drawing/2018/hyperlinkcolor" val="tx"/>
+                  </a:ext>
+                </a:extLst>
+              </a:hlinkClick>
             </a:endParaRPr>
           </a:p>
           <a:p>
-            <a:pPr marL="285750" marR="0" indent="-285750" algn="l" rtl="0">
+            <a:pPr marL="342900" marR="0" indent="-342900" rtl="0">
               <a:spcBef>
                 <a:spcPts val="0"/>
               </a:spcBef>
@@ -16312,25 +16434,244 @@
                 <a:srgbClr val="000000"/>
               </a:buClr>
               <a:buSzPts val="2400"/>
-              <a:buFont typeface="Wingdings" panose="05000000000000000000" pitchFamily="2" charset="2"/>
-              <a:buChar char="ü"/>
+              <a:buFont typeface="+mj-lt"/>
+              <a:buAutoNum type="arabicPeriod"/>
             </a:pPr>
             <a:r>
-              <a:rPr lang="en-IN" sz="2800" b="0" i="0" dirty="0">
-                <a:solidFill>
-                  <a:srgbClr val="000000"/>
+              <a:rPr lang="en-IN" sz="1800" b="0" i="0" dirty="0">
+                <a:solidFill>
+                  <a:srgbClr val="FFC000"/>
                 </a:solidFill>
                 <a:effectLst/>
                 <a:latin typeface="Arial" panose="020B0604020202020204" pitchFamily="34" charset="0"/>
                 <a:ea typeface="Arial" panose="020B0604020202020204" pitchFamily="34" charset="0"/>
                 <a:cs typeface="Arial" panose="020B0604020202020204" pitchFamily="34" charset="0"/>
-                <a:hlinkClick r:id="rId4"/>
+                <a:hlinkClick r:id="rId4">
+                  <a:extLst>
+                    <a:ext uri="{A12FA001-AC4F-418D-AE19-62706E023703}">
+                      <ahyp:hlinkClr xmlns:ahyp="http://schemas.microsoft.com/office/drawing/2018/hyperlinkcolor" val="tx"/>
+                    </a:ext>
+                  </a:extLst>
+                </a:hlinkClick>
               </a:rPr>
               <a:t>https://www.geeksforgeeks.org/python-programming-language-tutorial/</a:t>
             </a:r>
-            <a:endParaRPr lang="en-IN" sz="2800" dirty="0">
+            <a:endParaRPr lang="en-IN" sz="1800" dirty="0">
+              <a:solidFill>
+                <a:srgbClr val="FFC000"/>
+              </a:solidFill>
+              <a:latin typeface="Arial" panose="020B0604020202020204" pitchFamily="34" charset="0"/>
+              <a:ea typeface="Arial" panose="020B0604020202020204" pitchFamily="34" charset="0"/>
+              <a:cs typeface="Arial" panose="020B0604020202020204" pitchFamily="34" charset="0"/>
+            </a:endParaRPr>
+          </a:p>
+          <a:p>
+            <a:pPr marL="342900" marR="0" indent="-342900" rtl="0">
+              <a:spcBef>
+                <a:spcPts val="0"/>
+              </a:spcBef>
+              <a:spcAft>
+                <a:spcPts val="0"/>
+              </a:spcAft>
+              <a:buClr>
+                <a:srgbClr val="000000"/>
+              </a:buClr>
+              <a:buSzPts val="2400"/>
+              <a:buFont typeface="+mj-lt"/>
+              <a:buAutoNum type="arabicPeriod"/>
+            </a:pPr>
+            <a:endParaRPr lang="en-IN" sz="1800" b="0" i="0" dirty="0">
+              <a:solidFill>
+                <a:srgbClr val="FFC000"/>
+              </a:solidFill>
+              <a:effectLst/>
+              <a:latin typeface="Arial" panose="020B0604020202020204" pitchFamily="34" charset="0"/>
+              <a:ea typeface="Arial" panose="020B0604020202020204" pitchFamily="34" charset="0"/>
+              <a:cs typeface="Arial" panose="020B0604020202020204" pitchFamily="34" charset="0"/>
+            </a:endParaRPr>
+          </a:p>
+          <a:p>
+            <a:pPr marL="342900" indent="-342900">
+              <a:buSzPts val="2400"/>
+              <a:buFont typeface="+mj-lt"/>
+              <a:buAutoNum type="arabicPeriod"/>
+            </a:pPr>
+            <a:r>
+              <a:rPr lang="en-IN" sz="1800" u="sng" dirty="0">
+                <a:solidFill>
+                  <a:srgbClr val="FFC000"/>
+                </a:solidFill>
+                <a:effectLst/>
+              </a:rPr>
+              <a:t>https://www.javatpoint.com/create-a-gui-for-weather-forecast-using-openweather-map-api-in-python </a:t>
+            </a:r>
+          </a:p>
+          <a:p>
+            <a:pPr marL="342900" marR="0" indent="-342900" rtl="0">
+              <a:spcBef>
+                <a:spcPts val="0"/>
+              </a:spcBef>
+              <a:spcAft>
+                <a:spcPts val="0"/>
+              </a:spcAft>
+              <a:buClr>
+                <a:srgbClr val="000000"/>
+              </a:buClr>
+              <a:buSzPts val="2400"/>
+              <a:buFont typeface="+mj-lt"/>
+              <a:buAutoNum type="arabicPeriod"/>
+            </a:pPr>
+            <a:endParaRPr lang="en-IN" sz="1800" dirty="0">
+              <a:solidFill>
+                <a:srgbClr val="FFC000"/>
+              </a:solidFill>
               <a:effectLst/>
             </a:endParaRPr>
+          </a:p>
+          <a:p>
+            <a:pPr marL="342900" marR="0" indent="-342900" rtl="0">
+              <a:spcBef>
+                <a:spcPts val="0"/>
+              </a:spcBef>
+              <a:spcAft>
+                <a:spcPts val="0"/>
+              </a:spcAft>
+              <a:buClr>
+                <a:srgbClr val="000000"/>
+              </a:buClr>
+              <a:buSzPts val="2400"/>
+              <a:buFont typeface="+mj-lt"/>
+              <a:buAutoNum type="arabicPeriod"/>
+            </a:pPr>
+            <a:r>
+              <a:rPr lang="en-IN" sz="1800" dirty="0">
+                <a:solidFill>
+                  <a:srgbClr val="FFC000"/>
+                </a:solidFill>
+                <a:effectLst/>
+                <a:hlinkClick r:id="rId5">
+                  <a:extLst>
+                    <a:ext uri="{A12FA001-AC4F-418D-AE19-62706E023703}">
+                      <ahyp:hlinkClr xmlns:ahyp="http://schemas.microsoft.com/office/drawing/2018/hyperlinkcolor" val="tx"/>
+                    </a:ext>
+                  </a:extLst>
+                </a:hlinkClick>
+              </a:rPr>
+              <a:t>https://www.askpython.com/python/examples/gui-weather-app-in-python</a:t>
+            </a:r>
+            <a:endParaRPr lang="en-IN" sz="1800" dirty="0">
+              <a:solidFill>
+                <a:srgbClr val="FFC000"/>
+              </a:solidFill>
+              <a:effectLst/>
+            </a:endParaRPr>
+          </a:p>
+          <a:p>
+            <a:pPr marL="342900" marR="0" indent="-342900" rtl="0">
+              <a:spcBef>
+                <a:spcPts val="0"/>
+              </a:spcBef>
+              <a:spcAft>
+                <a:spcPts val="0"/>
+              </a:spcAft>
+              <a:buClr>
+                <a:srgbClr val="000000"/>
+              </a:buClr>
+              <a:buSzPts val="2400"/>
+              <a:buFont typeface="+mj-lt"/>
+              <a:buAutoNum type="arabicPeriod"/>
+            </a:pPr>
+            <a:endParaRPr lang="en-IN" sz="1800" dirty="0">
+              <a:solidFill>
+                <a:srgbClr val="FFC000"/>
+              </a:solidFill>
+              <a:effectLst/>
+            </a:endParaRPr>
+          </a:p>
+          <a:p>
+            <a:pPr marL="342900" marR="0" indent="-342900" rtl="0">
+              <a:spcBef>
+                <a:spcPts val="0"/>
+              </a:spcBef>
+              <a:spcAft>
+                <a:spcPts val="0"/>
+              </a:spcAft>
+              <a:buClr>
+                <a:srgbClr val="000000"/>
+              </a:buClr>
+              <a:buSzPts val="2400"/>
+              <a:buFont typeface="+mj-lt"/>
+              <a:buAutoNum type="arabicPeriod"/>
+            </a:pPr>
+            <a:r>
+              <a:rPr lang="en-IN" sz="1800" u="sng" dirty="0">
+                <a:solidFill>
+                  <a:srgbClr val="FFC000"/>
+                </a:solidFill>
+                <a:effectLst/>
+                <a:hlinkClick r:id="rId6">
+                  <a:extLst>
+                    <a:ext uri="{A12FA001-AC4F-418D-AE19-62706E023703}">
+                      <ahyp:hlinkClr xmlns:ahyp="http://schemas.microsoft.com/office/drawing/2018/hyperlinkcolor" val="tx"/>
+                    </a:ext>
+                  </a:extLst>
+                </a:hlinkClick>
+              </a:rPr>
+              <a:t>https://techbit.in/#google_vignette</a:t>
+            </a:r>
+            <a:endParaRPr lang="en-IN" sz="1800" u="sng" dirty="0">
+              <a:solidFill>
+                <a:srgbClr val="FFC000"/>
+              </a:solidFill>
+              <a:effectLst/>
+            </a:endParaRPr>
+          </a:p>
+          <a:p>
+            <a:pPr marL="342900" marR="0" indent="-342900" rtl="0">
+              <a:spcBef>
+                <a:spcPts val="0"/>
+              </a:spcBef>
+              <a:spcAft>
+                <a:spcPts val="0"/>
+              </a:spcAft>
+              <a:buClr>
+                <a:srgbClr val="000000"/>
+              </a:buClr>
+              <a:buSzPts val="2400"/>
+              <a:buFont typeface="+mj-lt"/>
+              <a:buAutoNum type="arabicPeriod"/>
+            </a:pPr>
+            <a:endParaRPr lang="en-IN" sz="1800" u="sng" dirty="0">
+              <a:solidFill>
+                <a:srgbClr val="FFC000"/>
+              </a:solidFill>
+              <a:effectLst/>
+            </a:endParaRPr>
+          </a:p>
+          <a:p>
+            <a:pPr marL="342900" marR="0" indent="-342900" rtl="0">
+              <a:spcBef>
+                <a:spcPts val="0"/>
+              </a:spcBef>
+              <a:spcAft>
+                <a:spcPts val="0"/>
+              </a:spcAft>
+              <a:buClr>
+                <a:srgbClr val="000000"/>
+              </a:buClr>
+              <a:buSzPts val="2400"/>
+              <a:buFont typeface="+mj-lt"/>
+              <a:buAutoNum type="arabicPeriod"/>
+            </a:pPr>
+            <a:r>
+              <a:rPr lang="en-IN" sz="1800" u="sng" dirty="0">
+                <a:solidFill>
+                  <a:srgbClr val="FFC000"/>
+                </a:solidFill>
+                <a:effectLst/>
+              </a:rPr>
+              <a:t>https://techbit.in/programming/code-a-weather-app-in-python-using-tkinter/</a:t>
+            </a:r>
           </a:p>
         </p:txBody>
       </p:sp>
